--- a/10_reproducibility/Reproducibility.pptx
+++ b/10_reproducibility/Reproducibility.pptx
@@ -5202,7 +5202,7 @@
           <a:p>
             <a:fld id="{D75CAE95-D2DD-4998-876A-092BFD628C65}" type="datetimeFigureOut">
               <a:rPr lang="da-DK" smtClean="0"/>
-              <a:t>03-06-2021</a:t>
+              <a:t>21-06-2021</a:t>
             </a:fld>
             <a:endParaRPr lang="da-DK"/>
           </a:p>
@@ -5380,7 +5380,7 @@
           <a:p>
             <a:fld id="{1DA8E099-58AA-4136-B409-1CAD1943D842}" type="datetimeFigureOut">
               <a:rPr lang="da-DK" smtClean="0"/>
-              <a:t>03-06-2021</a:t>
+              <a:t>21-06-2021</a:t>
             </a:fld>
             <a:endParaRPr lang="da-DK"/>
           </a:p>
@@ -5798,7 +5798,7 @@
           <a:p>
             <a:fld id="{C85334AD-9960-4065-BF34-86ED0345A76D}" type="datetime1">
               <a:rPr lang="en-US" smtClean="0"/>
-              <a:t>6/3/2021</a:t>
+              <a:t>6/21/2021</a:t>
             </a:fld>
             <a:endParaRPr lang="da-DK"/>
           </a:p>
@@ -6037,7 +6037,7 @@
           <a:p>
             <a:fld id="{C5669758-3775-48D7-A841-693E908C3BF4}" type="datetime1">
               <a:rPr lang="en-US" smtClean="0"/>
-              <a:t>6/3/2021</a:t>
+              <a:t>6/21/2021</a:t>
             </a:fld>
             <a:endParaRPr lang="da-DK"/>
           </a:p>
@@ -6250,7 +6250,7 @@
           <a:p>
             <a:fld id="{1E0C3FF1-EDBD-4F2A-8366-34A4E3728310}" type="datetime1">
               <a:rPr lang="en-US" smtClean="0"/>
-              <a:t>6/3/2021</a:t>
+              <a:t>6/21/2021</a:t>
             </a:fld>
             <a:endParaRPr lang="da-DK"/>
           </a:p>
@@ -6471,7 +6471,7 @@
           <a:p>
             <a:fld id="{019E29B9-5584-4737-9C98-1B926378C778}" type="datetime1">
               <a:rPr lang="en-US" smtClean="0"/>
-              <a:t>6/3/2021</a:t>
+              <a:t>6/21/2021</a:t>
             </a:fld>
             <a:endParaRPr lang="da-DK"/>
           </a:p>
@@ -6786,7 +6786,7 @@
           <a:p>
             <a:fld id="{FCE38F03-F67D-4508-A858-99FCD085087C}" type="datetime1">
               <a:rPr lang="en-US" smtClean="0"/>
-              <a:t>6/3/2021</a:t>
+              <a:t>6/21/2021</a:t>
             </a:fld>
             <a:endParaRPr lang="da-DK"/>
           </a:p>
@@ -7057,7 +7057,7 @@
           <a:p>
             <a:fld id="{B43F2930-3FFD-4F93-A4BD-4F0D1A0B4514}" type="datetime1">
               <a:rPr lang="en-US" smtClean="0"/>
-              <a:t>6/3/2021</a:t>
+              <a:t>6/21/2021</a:t>
             </a:fld>
             <a:endParaRPr lang="da-DK"/>
           </a:p>
@@ -7475,7 +7475,7 @@
           <a:p>
             <a:fld id="{8E0F9B9B-30CC-4693-8E0F-1A94A979E2C5}" type="datetime1">
               <a:rPr lang="en-US" smtClean="0"/>
-              <a:t>6/3/2021</a:t>
+              <a:t>6/21/2021</a:t>
             </a:fld>
             <a:endParaRPr lang="da-DK"/>
           </a:p>
@@ -7620,7 +7620,7 @@
           <a:p>
             <a:fld id="{6FE1433B-E6A7-44FF-8B55-539471B4D7C5}" type="datetime1">
               <a:rPr lang="en-US" smtClean="0"/>
-              <a:t>6/3/2021</a:t>
+              <a:t>6/21/2021</a:t>
             </a:fld>
             <a:endParaRPr lang="da-DK"/>
           </a:p>
@@ -7736,7 +7736,7 @@
           <a:p>
             <a:fld id="{624F4001-6A8C-42DA-824F-B5CC1375B861}" type="datetime1">
               <a:rPr lang="en-US" smtClean="0"/>
-              <a:t>6/3/2021</a:t>
+              <a:t>6/21/2021</a:t>
             </a:fld>
             <a:endParaRPr lang="da-DK"/>
           </a:p>
@@ -8052,7 +8052,7 @@
           <a:p>
             <a:fld id="{2D3BE137-2C5E-4078-8BA2-7D42D7E67218}" type="datetime1">
               <a:rPr lang="en-US" smtClean="0"/>
-              <a:t>6/3/2021</a:t>
+              <a:t>6/21/2021</a:t>
             </a:fld>
             <a:endParaRPr lang="da-DK"/>
           </a:p>
@@ -8344,7 +8344,7 @@
           <a:p>
             <a:fld id="{0D1436FF-56D3-4E93-92E8-71121EAB120E}" type="datetime1">
               <a:rPr lang="en-US" smtClean="0"/>
-              <a:t>6/3/2021</a:t>
+              <a:t>6/21/2021</a:t>
             </a:fld>
             <a:endParaRPr lang="da-DK"/>
           </a:p>
@@ -8590,7 +8590,7 @@
           <a:p>
             <a:fld id="{16601EF2-4BCA-4009-ACCF-B97F259DEF6F}" type="datetime1">
               <a:rPr lang="en-US" smtClean="0"/>
-              <a:t>6/3/2021</a:t>
+              <a:t>6/21/2021</a:t>
             </a:fld>
             <a:endParaRPr lang="da-DK"/>
           </a:p>
@@ -9235,7 +9235,7 @@
           <a:p>
             <a:fld id="{019E29B9-5584-4737-9C98-1B926378C778}" type="datetime1">
               <a:rPr lang="en-US" smtClean="0"/>
-              <a:t>6/3/2021</a:t>
+              <a:t>6/21/2021</a:t>
             </a:fld>
             <a:endParaRPr lang="da-DK"/>
           </a:p>
@@ -9556,7 +9556,7 @@
           <a:p>
             <a:fld id="{019E29B9-5584-4737-9C98-1B926378C778}" type="datetime1">
               <a:rPr lang="en-US" smtClean="0"/>
-              <a:t>6/3/2021</a:t>
+              <a:t>6/21/2021</a:t>
             </a:fld>
             <a:endParaRPr lang="da-DK"/>
           </a:p>
@@ -9706,8 +9706,8 @@
         </p:blipFill>
         <p:spPr>
           <a:xfrm>
-            <a:off x="4331693" y="864246"/>
-            <a:ext cx="3461679" cy="5724486"/>
+            <a:off x="4444905" y="1096627"/>
+            <a:ext cx="3178573" cy="5256321"/>
           </a:xfrm>
         </p:spPr>
       </p:pic>
@@ -9734,7 +9734,7 @@
           <a:p>
             <a:fld id="{019E29B9-5584-4737-9C98-1B926378C778}" type="datetime1">
               <a:rPr lang="en-US" smtClean="0"/>
-              <a:t>6/3/2021</a:t>
+              <a:t>6/21/2021</a:t>
             </a:fld>
             <a:endParaRPr lang="da-DK"/>
           </a:p>
@@ -9923,7 +9923,7 @@
           <a:p>
             <a:fld id="{019E29B9-5584-4737-9C98-1B926378C778}" type="datetime1">
               <a:rPr lang="en-US" smtClean="0"/>
-              <a:t>6/3/2021</a:t>
+              <a:t>6/21/2021</a:t>
             </a:fld>
             <a:endParaRPr lang="da-DK"/>
           </a:p>
@@ -10334,7 +10334,7 @@
           <a:p>
             <a:fld id="{019E29B9-5584-4737-9C98-1B926378C778}" type="datetime1">
               <a:rPr lang="en-US" smtClean="0"/>
-              <a:t>6/3/2021</a:t>
+              <a:t>6/21/2021</a:t>
             </a:fld>
             <a:endParaRPr lang="da-DK"/>
           </a:p>
@@ -10657,7 +10657,7 @@
           <a:p>
             <a:fld id="{019E29B9-5584-4737-9C98-1B926378C778}" type="datetime1">
               <a:rPr lang="en-US" smtClean="0"/>
-              <a:t>6/3/2021</a:t>
+              <a:t>6/21/2021</a:t>
             </a:fld>
             <a:endParaRPr lang="da-DK"/>
           </a:p>
@@ -10912,7 +10912,7 @@
           <a:p>
             <a:fld id="{019E29B9-5584-4737-9C98-1B926378C778}" type="datetime1">
               <a:rPr lang="en-US" smtClean="0"/>
-              <a:t>6/3/2021</a:t>
+              <a:t>6/21/2021</a:t>
             </a:fld>
             <a:endParaRPr lang="da-DK"/>
           </a:p>
@@ -11153,7 +11153,7 @@
           <a:p>
             <a:fld id="{019E29B9-5584-4737-9C98-1B926378C778}" type="datetime1">
               <a:rPr lang="en-US" smtClean="0"/>
-              <a:t>6/3/2021</a:t>
+              <a:t>6/21/2021</a:t>
             </a:fld>
             <a:endParaRPr lang="da-DK"/>
           </a:p>
@@ -11389,7 +11389,7 @@
           <a:p>
             <a:fld id="{019E29B9-5584-4737-9C98-1B926378C778}" type="datetime1">
               <a:rPr lang="en-US" smtClean="0"/>
-              <a:t>6/3/2021</a:t>
+              <a:t>6/21/2021</a:t>
             </a:fld>
             <a:endParaRPr lang="da-DK"/>
           </a:p>
@@ -11920,7 +11920,7 @@
           <a:p>
             <a:fld id="{019E29B9-5584-4737-9C98-1B926378C778}" type="datetime1">
               <a:rPr lang="en-US" smtClean="0"/>
-              <a:t>6/3/2021</a:t>
+              <a:t>6/21/2021</a:t>
             </a:fld>
             <a:endParaRPr lang="da-DK"/>
           </a:p>
@@ -12109,7 +12109,7 @@
             <a:fld id="{019E29B9-5584-4737-9C98-1B926378C778}" type="datetime1">
               <a:rPr lang="en-US" smtClean="0"/>
               <a:pPr/>
-              <a:t>6/3/2021</a:t>
+              <a:t>6/21/2021</a:t>
             </a:fld>
             <a:endParaRPr lang="da-DK"/>
           </a:p>
@@ -12964,7 +12964,7 @@
           <a:p>
             <a:fld id="{019E29B9-5584-4737-9C98-1B926378C778}" type="datetime1">
               <a:rPr lang="en-US" smtClean="0"/>
-              <a:t>6/3/2021</a:t>
+              <a:t>6/21/2021</a:t>
             </a:fld>
             <a:endParaRPr lang="da-DK"/>
           </a:p>
